--- a/android tutorials/Project/FriendFinder 1.0/friendFinder.pptx
+++ b/android tutorials/Project/FriendFinder 1.0/friendFinder.pptx
@@ -121,6 +121,11 @@
       </a:defRPr>
     </a:lvl9pPr>
   </p:defaultTextStyle>
+  <p:extLst>
+    <p:ext uri="{EFAFB233-063F-42B5-8137-9DF3F51BA10A}">
+      <p15:sldGuideLst xmlns:p15="http://schemas.microsoft.com/office/powerpoint/2012/main"/>
+    </p:ext>
+  </p:extLst>
 </p:presentation>
 </file>
 
@@ -206,7 +211,7 @@
           <a:p>
             <a:fld id="{E039CA1C-430B-B543-A5B0-64C9711A257B}" type="datetimeFigureOut">
               <a:rPr lang="en-US" smtClean="0"/>
-              <a:t>8/6/17</a:t>
+              <a:t>8/7/17</a:t>
             </a:fld>
             <a:endParaRPr lang="en-US"/>
           </a:p>
@@ -666,7 +671,7 @@
             <a:fld id="{B61BEF0D-F0BB-DE4B-95CE-6DB70DBA9567}" type="datetimeFigureOut">
               <a:rPr lang="en-US" dirty="0"/>
               <a:pPr/>
-              <a:t>8/6/17</a:t>
+              <a:t>8/7/17</a:t>
             </a:fld>
             <a:endParaRPr lang="en-US" dirty="0"/>
           </a:p>
@@ -1099,7 +1104,7 @@
             <a:fld id="{B61BEF0D-F0BB-DE4B-95CE-6DB70DBA9567}" type="datetimeFigureOut">
               <a:rPr lang="en-US" dirty="0"/>
               <a:pPr/>
-              <a:t>8/6/17</a:t>
+              <a:t>8/7/17</a:t>
             </a:fld>
             <a:endParaRPr lang="en-US" dirty="0"/>
           </a:p>
@@ -1346,7 +1351,7 @@
             <a:fld id="{B61BEF0D-F0BB-DE4B-95CE-6DB70DBA9567}" type="datetimeFigureOut">
               <a:rPr lang="en-US" dirty="0"/>
               <a:pPr/>
-              <a:t>8/6/17</a:t>
+              <a:t>8/7/17</a:t>
             </a:fld>
             <a:endParaRPr lang="en-US" dirty="0"/>
           </a:p>
@@ -1651,7 +1656,7 @@
             <a:fld id="{B61BEF0D-F0BB-DE4B-95CE-6DB70DBA9567}" type="datetimeFigureOut">
               <a:rPr lang="en-US" dirty="0"/>
               <a:pPr/>
-              <a:t>8/6/17</a:t>
+              <a:t>8/7/17</a:t>
             </a:fld>
             <a:endParaRPr lang="en-US" dirty="0"/>
           </a:p>
@@ -1966,7 +1971,7 @@
             <a:fld id="{B61BEF0D-F0BB-DE4B-95CE-6DB70DBA9567}" type="datetimeFigureOut">
               <a:rPr lang="en-US" dirty="0"/>
               <a:pPr/>
-              <a:t>8/6/17</a:t>
+              <a:t>8/7/17</a:t>
             </a:fld>
             <a:endParaRPr lang="en-US" dirty="0"/>
           </a:p>
@@ -2265,7 +2270,7 @@
             <a:fld id="{B61BEF0D-F0BB-DE4B-95CE-6DB70DBA9567}" type="datetimeFigureOut">
               <a:rPr lang="en-US" dirty="0"/>
               <a:pPr/>
-              <a:t>8/6/17</a:t>
+              <a:t>8/7/17</a:t>
             </a:fld>
             <a:endParaRPr lang="en-US" dirty="0"/>
           </a:p>
@@ -2629,7 +2634,7 @@
             <a:fld id="{B61BEF0D-F0BB-DE4B-95CE-6DB70DBA9567}" type="datetimeFigureOut">
               <a:rPr lang="en-US" dirty="0"/>
               <a:pPr/>
-              <a:t>8/6/17</a:t>
+              <a:t>8/7/17</a:t>
             </a:fld>
             <a:endParaRPr lang="en-US" dirty="0"/>
           </a:p>
@@ -2800,7 +2805,7 @@
             <a:fld id="{B61BEF0D-F0BB-DE4B-95CE-6DB70DBA9567}" type="datetimeFigureOut">
               <a:rPr lang="en-US" dirty="0"/>
               <a:pPr/>
-              <a:t>8/6/17</a:t>
+              <a:t>8/7/17</a:t>
             </a:fld>
             <a:endParaRPr lang="en-US" dirty="0"/>
           </a:p>
@@ -2977,7 +2982,7 @@
             <a:fld id="{B61BEF0D-F0BB-DE4B-95CE-6DB70DBA9567}" type="datetimeFigureOut">
               <a:rPr lang="en-US" dirty="0"/>
               <a:pPr/>
-              <a:t>8/6/17</a:t>
+              <a:t>8/7/17</a:t>
             </a:fld>
             <a:endParaRPr lang="en-US" dirty="0"/>
           </a:p>
@@ -3144,7 +3149,7 @@
             <a:fld id="{B61BEF0D-F0BB-DE4B-95CE-6DB70DBA9567}" type="datetimeFigureOut">
               <a:rPr lang="en-US" dirty="0"/>
               <a:pPr/>
-              <a:t>8/6/17</a:t>
+              <a:t>8/7/17</a:t>
             </a:fld>
             <a:endParaRPr lang="en-US" dirty="0"/>
           </a:p>
@@ -3391,7 +3396,7 @@
             <a:fld id="{B61BEF0D-F0BB-DE4B-95CE-6DB70DBA9567}" type="datetimeFigureOut">
               <a:rPr lang="en-US" dirty="0"/>
               <a:pPr/>
-              <a:t>8/6/17</a:t>
+              <a:t>8/7/17</a:t>
             </a:fld>
             <a:endParaRPr lang="en-US" dirty="0"/>
           </a:p>
@@ -3624,7 +3629,7 @@
             <a:fld id="{B61BEF0D-F0BB-DE4B-95CE-6DB70DBA9567}" type="datetimeFigureOut">
               <a:rPr lang="en-US" dirty="0"/>
               <a:pPr/>
-              <a:t>8/6/17</a:t>
+              <a:t>8/7/17</a:t>
             </a:fld>
             <a:endParaRPr lang="en-US" dirty="0"/>
           </a:p>
@@ -4003,7 +4008,7 @@
             <a:fld id="{B61BEF0D-F0BB-DE4B-95CE-6DB70DBA9567}" type="datetimeFigureOut">
               <a:rPr lang="en-US" dirty="0"/>
               <a:pPr/>
-              <a:t>8/6/17</a:t>
+              <a:t>8/7/17</a:t>
             </a:fld>
             <a:endParaRPr lang="en-US" dirty="0"/>
           </a:p>
@@ -4118,7 +4123,7 @@
             <a:fld id="{B61BEF0D-F0BB-DE4B-95CE-6DB70DBA9567}" type="datetimeFigureOut">
               <a:rPr lang="en-US" dirty="0"/>
               <a:pPr/>
-              <a:t>8/6/17</a:t>
+              <a:t>8/7/17</a:t>
             </a:fld>
             <a:endParaRPr lang="en-US" dirty="0"/>
           </a:p>
@@ -4210,7 +4215,7 @@
             <a:fld id="{B61BEF0D-F0BB-DE4B-95CE-6DB70DBA9567}" type="datetimeFigureOut">
               <a:rPr lang="en-US" dirty="0"/>
               <a:pPr/>
-              <a:t>8/6/17</a:t>
+              <a:t>8/7/17</a:t>
             </a:fld>
             <a:endParaRPr lang="en-US" dirty="0"/>
           </a:p>
@@ -4462,7 +4467,7 @@
             <a:fld id="{B61BEF0D-F0BB-DE4B-95CE-6DB70DBA9567}" type="datetimeFigureOut">
               <a:rPr lang="en-US" dirty="0"/>
               <a:pPr/>
-              <a:t>8/6/17</a:t>
+              <a:t>8/7/17</a:t>
             </a:fld>
             <a:endParaRPr lang="en-US" dirty="0"/>
           </a:p>
@@ -4742,7 +4747,7 @@
             <a:fld id="{B61BEF0D-F0BB-DE4B-95CE-6DB70DBA9567}" type="datetimeFigureOut">
               <a:rPr lang="en-US" dirty="0"/>
               <a:pPr/>
-              <a:t>8/6/17</a:t>
+              <a:t>8/7/17</a:t>
             </a:fld>
             <a:endParaRPr lang="en-US" dirty="0"/>
           </a:p>
@@ -5145,7 +5150,7 @@
             <a:fld id="{B61BEF0D-F0BB-DE4B-95CE-6DB70DBA9567}" type="datetimeFigureOut">
               <a:rPr lang="en-US" dirty="0"/>
               <a:pPr/>
-              <a:t>8/6/17</a:t>
+              <a:t>8/7/17</a:t>
             </a:fld>
             <a:endParaRPr lang="en-US" dirty="0"/>
           </a:p>
@@ -5897,7 +5902,15 @@
             </a:r>
             <a:r>
               <a:rPr lang="en-CA" sz="2400" u="sng" dirty="0" smtClean="0"/>
-              <a:t> Change the line under volumes</a:t>
+              <a:t> </a:t>
+            </a:r>
+            <a:r>
+              <a:rPr lang="en-CA" sz="2400" u="sng" dirty="0" smtClean="0"/>
+              <a:t>change </a:t>
+            </a:r>
+            <a:r>
+              <a:rPr lang="en-CA" sz="2400" u="sng" dirty="0" smtClean="0"/>
+              <a:t>the line under volumes</a:t>
             </a:r>
           </a:p>
           <a:p>
@@ -6144,7 +6157,7 @@
         <p:spPr>
           <a:xfrm>
             <a:off x="564942" y="3226877"/>
-            <a:ext cx="10977685" cy="3416320"/>
+            <a:ext cx="11219738" cy="3046988"/>
           </a:xfrm>
           <a:prstGeom prst="rect">
             <a:avLst/>
@@ -6170,46 +6183,83 @@
               <a:t>the previous doesn’t work </a:t>
             </a:r>
             <a:r>
-              <a:rPr lang="en-US" sz="2400" dirty="0" smtClean="0"/>
-              <a:t>out then as a native Spring app: </a:t>
-            </a:r>
-          </a:p>
-          <a:p>
+              <a:rPr lang="en-US" sz="2400" dirty="0">
+                <a:solidFill>
+                  <a:srgbClr val="FF0000"/>
+                </a:solidFill>
+              </a:rPr>
+              <a:t>out</a:t>
+            </a:r>
+            <a:r>
+              <a:rPr lang="en-US" sz="2400" dirty="0" smtClean="0"/>
+              <a:t> then </a:t>
+            </a:r>
+            <a:r>
+              <a:rPr lang="en-US" sz="2400" dirty="0" smtClean="0"/>
+              <a:t>run as </a:t>
+            </a:r>
+            <a:r>
+              <a:rPr lang="en-US" sz="2400" dirty="0" smtClean="0"/>
+              <a:t>a native Spring app: </a:t>
+            </a:r>
+          </a:p>
+          <a:p>
+            <a:r>
+              <a:rPr lang="en-US" sz="2400" dirty="0" smtClean="0"/>
+              <a:t>Start </a:t>
+            </a:r>
+            <a:r>
+              <a:rPr lang="en-US" sz="2400" dirty="0" err="1" smtClean="0"/>
+              <a:t>mysql</a:t>
+            </a:r>
+            <a:r>
+              <a:rPr lang="en-US" sz="2400" dirty="0" smtClean="0"/>
+              <a:t> server in terminal: </a:t>
+            </a:r>
             <a:endParaRPr lang="en-US" sz="2400" dirty="0"/>
           </a:p>
           <a:p>
             <a:r>
-              <a:rPr lang="en-CA" sz="2400" dirty="0" err="1"/>
+              <a:rPr lang="en-CA" sz="2400" dirty="0" smtClean="0"/>
+              <a:t>&gt; </a:t>
+            </a:r>
+            <a:r>
+              <a:rPr lang="en-CA" dirty="0" err="1" smtClean="0"/>
               <a:t>docker</a:t>
             </a:r>
             <a:r>
-              <a:rPr lang="en-CA" sz="2400" dirty="0"/>
-              <a:t> run --name </a:t>
-            </a:r>
-            <a:r>
-              <a:rPr lang="en-CA" sz="2400" dirty="0" err="1"/>
+              <a:rPr lang="en-CA" dirty="0" smtClean="0"/>
+              <a:t> </a:t>
+            </a:r>
+            <a:r>
+              <a:rPr lang="en-CA" dirty="0"/>
+              <a:t>run --name </a:t>
+            </a:r>
+            <a:r>
+              <a:rPr lang="en-CA" dirty="0" err="1"/>
               <a:t>mysqldb</a:t>
             </a:r>
             <a:r>
-              <a:rPr lang="en-CA" sz="2400" dirty="0"/>
+              <a:rPr lang="en-CA" dirty="0"/>
               <a:t> -p 3307:3306 -e </a:t>
             </a:r>
-            <a:endParaRPr lang="en-CA" sz="2400" dirty="0" smtClean="0"/>
-          </a:p>
-          <a:p>
-            <a:r>
-              <a:rPr lang="en-CA" sz="2400" dirty="0" smtClean="0"/>
-              <a:t>MYSQL_ALLOW_EMPTY_PASSWORD=yes -</a:t>
-            </a:r>
-            <a:r>
-              <a:rPr lang="en-CA" sz="2400" dirty="0"/>
+            <a:r>
+              <a:rPr lang="en-CA" dirty="0" smtClean="0"/>
+              <a:t>MYSQL_ALLOW_EMPTY_PASSWORD=yes </a:t>
+            </a:r>
+            <a:r>
+              <a:rPr lang="en-CA" dirty="0" smtClean="0"/>
+              <a:t>-</a:t>
+            </a:r>
+            <a:r>
+              <a:rPr lang="en-CA" dirty="0"/>
               <a:t>d </a:t>
             </a:r>
             <a:r>
-              <a:rPr lang="en-CA" sz="2400" dirty="0" err="1" smtClean="0"/>
+              <a:rPr lang="en-CA" dirty="0" err="1" smtClean="0"/>
               <a:t>mysql</a:t>
             </a:r>
-            <a:endParaRPr lang="en-US" sz="2400" dirty="0" smtClean="0"/>
+            <a:endParaRPr lang="en-US" dirty="0" smtClean="0"/>
           </a:p>
           <a:p>
             <a:endParaRPr lang="en-US" sz="2400" dirty="0" smtClean="0"/>
@@ -6241,17 +6291,33 @@
             </a:r>
             <a:r>
               <a:rPr lang="en-US" sz="2400" dirty="0" smtClean="0"/>
-              <a:t> folder are in the </a:t>
-            </a:r>
-          </a:p>
-          <a:p>
-            <a:r>
-              <a:rPr lang="en-US" sz="2400" dirty="0"/>
-              <a:t>s</a:t>
-            </a:r>
-            <a:r>
-              <a:rPr lang="en-US" sz="2400" dirty="0" smtClean="0"/>
-              <a:t>ame directory. </a:t>
+              <a:t> </a:t>
+            </a:r>
+            <a:r>
+              <a:rPr lang="en-US" sz="2400" dirty="0" smtClean="0"/>
+              <a:t>folder of the Java </a:t>
+            </a:r>
+          </a:p>
+          <a:p>
+            <a:r>
+              <a:rPr lang="en-US" sz="2400" dirty="0" smtClean="0"/>
+              <a:t>Spring server</a:t>
+            </a:r>
+            <a:r>
+              <a:rPr lang="en-US" sz="2400" dirty="0" smtClean="0"/>
+              <a:t> </a:t>
+            </a:r>
+            <a:r>
+              <a:rPr lang="en-US" sz="2400" dirty="0" smtClean="0"/>
+              <a:t>are in the </a:t>
+            </a:r>
+            <a:r>
+              <a:rPr lang="en-US" sz="2400" dirty="0" smtClean="0"/>
+              <a:t>same </a:t>
+            </a:r>
+            <a:r>
+              <a:rPr lang="en-US" sz="2400" dirty="0" smtClean="0"/>
+              <a:t>directory. </a:t>
             </a:r>
             <a:endParaRPr lang="en-US" sz="2400" dirty="0"/>
           </a:p>
@@ -6280,7 +6346,19 @@
           <a:p>
             <a:r>
               <a:rPr lang="en-US" sz="2400" dirty="0" smtClean="0"/>
-              <a:t>Run the Application java class </a:t>
+              <a:t>Run the </a:t>
+            </a:r>
+            <a:r>
+              <a:rPr lang="en-US" sz="2400" dirty="0" err="1" smtClean="0"/>
+              <a:t>Application.java</a:t>
+            </a:r>
+            <a:r>
+              <a:rPr lang="en-US" sz="2400" dirty="0" smtClean="0"/>
+              <a:t> </a:t>
+            </a:r>
+            <a:r>
+              <a:rPr lang="en-US" sz="2400" dirty="0" smtClean="0"/>
+              <a:t>class </a:t>
             </a:r>
             <a:endParaRPr lang="en-US" sz="2400" dirty="0"/>
           </a:p>
@@ -6368,13 +6446,25 @@
           <a:p>
             <a:r>
               <a:rPr lang="en-US" sz="2400" dirty="0" smtClean="0"/>
-              <a:t>To add users in terminal type: </a:t>
-            </a:r>
-          </a:p>
-          <a:p>
-            <a:r>
-              <a:rPr lang="en-US" sz="2400" dirty="0" smtClean="0"/>
-              <a:t>&gt; Bash </a:t>
+              <a:t>To add </a:t>
+            </a:r>
+            <a:r>
+              <a:rPr lang="en-US" sz="2400" dirty="0" smtClean="0"/>
+              <a:t>users, </a:t>
+            </a:r>
+            <a:r>
+              <a:rPr lang="en-US" sz="2400" dirty="0" smtClean="0"/>
+              <a:t>in terminal type: </a:t>
+            </a:r>
+          </a:p>
+          <a:p>
+            <a:r>
+              <a:rPr lang="en-US" sz="2400" dirty="0" smtClean="0"/>
+              <a:t>&gt; </a:t>
+            </a:r>
+            <a:r>
+              <a:rPr lang="en-US" sz="2400" dirty="0" smtClean="0"/>
+              <a:t>bash </a:t>
             </a:r>
             <a:r>
               <a:rPr lang="en-US" sz="2400" dirty="0" err="1" smtClean="0"/>
@@ -6388,11 +6478,7 @@
           <a:p>
             <a:r>
               <a:rPr lang="en-US" sz="2400" dirty="0" smtClean="0"/>
-              <a:t>Start the Android App </a:t>
-            </a:r>
-            <a:r>
-              <a:rPr lang="en-US" sz="2400" smtClean="0"/>
-              <a:t>on android emulator. </a:t>
+              <a:t>Start the Android App on android emulator. </a:t>
             </a:r>
             <a:endParaRPr lang="en-US" sz="2400" dirty="0"/>
           </a:p>
@@ -6715,8 +6801,8 @@
         </p:nvSpPr>
         <p:spPr>
           <a:xfrm>
-            <a:off x="740787" y="3460687"/>
-            <a:ext cx="10533653" cy="400110"/>
+            <a:off x="178079" y="3337595"/>
+            <a:ext cx="11713463" cy="369332"/>
           </a:xfrm>
           <a:prstGeom prst="rect">
             <a:avLst/>
@@ -6731,18 +6817,18 @@
           <a:p>
             <a:pPr marL="342900" lvl="0" indent="-342900" defTabSz="914400"/>
             <a:r>
-              <a:rPr lang="en-US" sz="2000" dirty="0"/>
+              <a:rPr lang="en-US" dirty="0"/>
               <a:t>https://</a:t>
             </a:r>
             <a:r>
-              <a:rPr lang="en-US" sz="2000" dirty="0" err="1"/>
+              <a:rPr lang="en-US" dirty="0" err="1"/>
               <a:t>github.com</a:t>
             </a:r>
             <a:r>
-              <a:rPr lang="en-US" sz="2000" dirty="0"/>
-              <a:t>/davidmszab0/Practice/tree/master/android%20tutorials/Project</a:t>
-            </a:r>
-            <a:endParaRPr lang="en-US" sz="2000" dirty="0" smtClean="0"/>
+              <a:rPr lang="en-US" dirty="0"/>
+              <a:t>/davidmszab0/Practice/tree/master/android%20tutorials/Project/FriendFinder%201.0</a:t>
+            </a:r>
+            <a:endParaRPr lang="en-US" dirty="0" smtClean="0"/>
           </a:p>
         </p:txBody>
       </p:sp>
@@ -6813,7 +6899,7 @@
         <p:spPr>
           <a:xfrm>
             <a:off x="564942" y="2018748"/>
-            <a:ext cx="10084812" cy="461665"/>
+            <a:ext cx="10261142" cy="461665"/>
           </a:xfrm>
           <a:prstGeom prst="rect">
             <a:avLst/>
@@ -6836,7 +6922,23 @@
             </a:r>
             <a:r>
               <a:rPr lang="en-US" sz="2400" dirty="0" smtClean="0"/>
-              <a:t> is an application where you can find your friends. </a:t>
+              <a:t> is an application where </a:t>
+            </a:r>
+            <a:r>
+              <a:rPr lang="en-US" sz="2400" dirty="0" smtClean="0"/>
+              <a:t>the user can </a:t>
+            </a:r>
+            <a:r>
+              <a:rPr lang="en-US" sz="2400" dirty="0" smtClean="0"/>
+              <a:t>find </a:t>
+            </a:r>
+            <a:r>
+              <a:rPr lang="en-US" sz="2400" dirty="0" smtClean="0"/>
+              <a:t>its friends</a:t>
+            </a:r>
+            <a:r>
+              <a:rPr lang="en-US" sz="2400" dirty="0" smtClean="0"/>
+              <a:t>. </a:t>
             </a:r>
           </a:p>
         </p:txBody>
@@ -6936,7 +7038,7 @@
         <p:spPr>
           <a:xfrm>
             <a:off x="564942" y="2809755"/>
-            <a:ext cx="9326592" cy="830997"/>
+            <a:ext cx="9382697" cy="830997"/>
           </a:xfrm>
           <a:prstGeom prst="rect">
             <a:avLst/>
@@ -6958,7 +7060,11 @@
           <a:p>
             <a:r>
               <a:rPr lang="en-US" sz="2400" dirty="0" smtClean="0"/>
-              <a:t>Write an android app in Java and a webserver in Java Spring</a:t>
+              <a:t>Wrote an </a:t>
+            </a:r>
+            <a:r>
+              <a:rPr lang="en-US" sz="2400" dirty="0" smtClean="0"/>
+              <a:t>android app in Java and a webserver in Java Spring</a:t>
             </a:r>
             <a:endParaRPr lang="en-US" sz="2400" dirty="0"/>
           </a:p>
@@ -7634,15 +7740,7 @@
             </a:r>
             <a:r>
               <a:rPr lang="en-US" sz="2400" dirty="0"/>
-              <a:t> </a:t>
-            </a:r>
-            <a:r>
-              <a:rPr lang="en-US" sz="2400" dirty="0"/>
-              <a:t>= </a:t>
-            </a:r>
-            <a:r>
-              <a:rPr lang="en-US" sz="2400" dirty="0"/>
-              <a:t>new </a:t>
+              <a:t> = new </a:t>
             </a:r>
             <a:r>
               <a:rPr lang="en-US" sz="2400" dirty="0" err="1"/>
@@ -7657,19 +7755,7 @@
             </a:br>
             <a:r>
               <a:rPr lang="en-US" sz="2400" dirty="0"/>
-              <a:t>Set&lt;User&gt; </a:t>
-            </a:r>
-            <a:r>
-              <a:rPr lang="en-US" sz="2400" dirty="0"/>
-              <a:t>users </a:t>
-            </a:r>
-            <a:r>
-              <a:rPr lang="en-US" sz="2400" dirty="0"/>
-              <a:t>= </a:t>
-            </a:r>
-            <a:r>
-              <a:rPr lang="en-US" sz="2400" dirty="0"/>
-              <a:t>new </a:t>
+              <a:t>Set&lt;User&gt; users = new </a:t>
             </a:r>
             <a:r>
               <a:rPr lang="en-US" sz="2400" dirty="0" err="1"/>
@@ -7833,23 +7919,11 @@
             </a:br>
             <a:r>
               <a:rPr lang="en-US" sz="2400" dirty="0"/>
-              <a:t>        </a:t>
-            </a:r>
-            <a:r>
-              <a:rPr lang="en-US" sz="2400" dirty="0"/>
-              <a:t>generator </a:t>
-            </a:r>
-            <a:r>
-              <a:rPr lang="en-US" sz="2400" dirty="0"/>
-              <a:t>= </a:t>
+              <a:t>        generator = </a:t>
             </a:r>
             <a:r>
               <a:rPr lang="en-US" sz="2400" dirty="0" err="1"/>
-              <a:t>ObjectIdGenerators.PropertyGenerator.</a:t>
-            </a:r>
-            <a:r>
-              <a:rPr lang="en-US" sz="2400" dirty="0" err="1"/>
-              <a:t>class</a:t>
+              <a:t>ObjectIdGenerators.PropertyGenerator.class</a:t>
             </a:r>
             <a:r>
               <a:rPr lang="en-US" sz="2400" dirty="0"/>
@@ -7860,26 +7934,14 @@
             </a:br>
             <a:r>
               <a:rPr lang="en-US" sz="2400" dirty="0"/>
-              <a:t>        property </a:t>
-            </a:r>
-            <a:r>
-              <a:rPr lang="en-US" sz="2400" dirty="0"/>
-              <a:t>= </a:t>
-            </a:r>
-            <a:r>
-              <a:rPr lang="en-US" sz="2400" dirty="0"/>
-              <a:t>"id",</a:t>
+              <a:t>        property = "id",</a:t>
             </a:r>
             <a:br>
               <a:rPr lang="en-US" sz="2400" dirty="0"/>
             </a:br>
             <a:r>
               <a:rPr lang="en-US" sz="2400" dirty="0"/>
-              <a:t>        scope </a:t>
-            </a:r>
-            <a:r>
-              <a:rPr lang="en-US" sz="2400" dirty="0"/>
-              <a:t>= </a:t>
+              <a:t>        scope = </a:t>
             </a:r>
             <a:r>
               <a:rPr lang="en-US" sz="2400" dirty="0" err="1" smtClean="0"/>
@@ -8142,11 +8204,7 @@
             </a:r>
             <a:r>
               <a:rPr lang="en-US" sz="2400" dirty="0"/>
-              <a:t> (</a:t>
-            </a:r>
-            <a:r>
-              <a:rPr lang="en-US" sz="2400" dirty="0"/>
-              <a:t>@</a:t>
+              <a:t> (@</a:t>
             </a:r>
             <a:r>
               <a:rPr lang="en-US" sz="2400" dirty="0" err="1"/>
@@ -8154,27 +8212,7 @@
             </a:r>
             <a:r>
               <a:rPr lang="en-US" sz="2400" dirty="0"/>
-              <a:t>(</a:t>
-            </a:r>
-            <a:r>
-              <a:rPr lang="en-US" sz="2400" dirty="0"/>
-              <a:t>value </a:t>
-            </a:r>
-            <a:r>
-              <a:rPr lang="en-US" sz="2400" dirty="0"/>
-              <a:t>= </a:t>
-            </a:r>
-            <a:r>
-              <a:rPr lang="en-US" sz="2400" dirty="0"/>
-              <a:t>"id"</a:t>
-            </a:r>
-            <a:r>
-              <a:rPr lang="en-US" sz="2400" dirty="0"/>
-              <a:t>) Integer id</a:t>
-            </a:r>
-            <a:r>
-              <a:rPr lang="en-US" sz="2400" dirty="0"/>
-              <a:t>,</a:t>
+              <a:t>(value = "id") Integer id,</a:t>
             </a:r>
             <a:br>
               <a:rPr lang="en-US" sz="2400" dirty="0"/>
@@ -8189,27 +8227,7 @@
             </a:r>
             <a:r>
               <a:rPr lang="en-US" sz="2400" dirty="0"/>
-              <a:t>(</a:t>
-            </a:r>
-            <a:r>
-              <a:rPr lang="en-US" sz="2400" dirty="0"/>
-              <a:t>value </a:t>
-            </a:r>
-            <a:r>
-              <a:rPr lang="en-US" sz="2400" dirty="0"/>
-              <a:t>= </a:t>
-            </a:r>
-            <a:r>
-              <a:rPr lang="en-US" sz="2400" dirty="0"/>
-              <a:t>"name"</a:t>
-            </a:r>
-            <a:r>
-              <a:rPr lang="en-US" sz="2400" dirty="0"/>
-              <a:t>) String name</a:t>
-            </a:r>
-            <a:r>
-              <a:rPr lang="en-US" sz="2400" dirty="0"/>
-              <a:t>,</a:t>
+              <a:t>(value = "name") String name,</a:t>
             </a:r>
             <a:br>
               <a:rPr lang="en-US" sz="2400" dirty="0"/>
@@ -8224,19 +8242,7 @@
             </a:r>
             <a:r>
               <a:rPr lang="en-US" sz="2400" dirty="0"/>
-              <a:t>(</a:t>
-            </a:r>
-            <a:r>
-              <a:rPr lang="en-US" sz="2400" dirty="0"/>
-              <a:t>value </a:t>
-            </a:r>
-            <a:r>
-              <a:rPr lang="en-US" sz="2400" dirty="0"/>
-              <a:t>= </a:t>
-            </a:r>
-            <a:r>
-              <a:rPr lang="en-US" sz="2400" dirty="0"/>
-              <a:t>"</a:t>
+              <a:t>(value = "</a:t>
             </a:r>
             <a:r>
               <a:rPr lang="en-US" sz="2400" dirty="0" err="1"/>
@@ -8244,11 +8250,7 @@
             </a:r>
             <a:r>
               <a:rPr lang="en-US" sz="2400" dirty="0"/>
-              <a:t>"</a:t>
-            </a:r>
-            <a:r>
-              <a:rPr lang="en-US" sz="2400" dirty="0"/>
-              <a:t>) String </a:t>
+              <a:t>") String </a:t>
             </a:r>
             <a:r>
               <a:rPr lang="en-US" sz="2400" dirty="0" err="1"/>
@@ -8271,19 +8273,7 @@
             </a:r>
             <a:r>
               <a:rPr lang="en-US" sz="2400" dirty="0"/>
-              <a:t>(</a:t>
-            </a:r>
-            <a:r>
-              <a:rPr lang="en-US" sz="2400" dirty="0"/>
-              <a:t>value </a:t>
-            </a:r>
-            <a:r>
-              <a:rPr lang="en-US" sz="2400" dirty="0"/>
-              <a:t>= </a:t>
-            </a:r>
-            <a:r>
-              <a:rPr lang="en-US" sz="2400" dirty="0"/>
-              <a:t>"</a:t>
+              <a:t>(value = "</a:t>
             </a:r>
             <a:r>
               <a:rPr lang="en-US" sz="2400" dirty="0" err="1"/>
@@ -8291,11 +8281,7 @@
             </a:r>
             <a:r>
               <a:rPr lang="en-US" sz="2400" dirty="0"/>
-              <a:t>"</a:t>
-            </a:r>
-            <a:r>
-              <a:rPr lang="en-US" sz="2400" dirty="0"/>
-              <a:t>) String </a:t>
+              <a:t>") String </a:t>
             </a:r>
             <a:r>
               <a:rPr lang="en-US" sz="2400" dirty="0" err="1"/>
@@ -8446,8 +8432,13 @@
             </a:pPr>
             <a:r>
               <a:rPr lang="en-US" sz="2400" dirty="0" smtClean="0"/>
-              <a:t>&gt; get JSON object and then use this object when using REST PUT</a:t>
-            </a:r>
+              <a:t>&gt; get JSON object and then use this object when using REST </a:t>
+            </a:r>
+            <a:r>
+              <a:rPr lang="en-US" sz="2400" dirty="0" smtClean="0"/>
+              <a:t>PUT call</a:t>
+            </a:r>
+            <a:endParaRPr lang="en-US" sz="2400" dirty="0" smtClean="0"/>
           </a:p>
           <a:p>
             <a:pPr marL="342900" lvl="0" indent="-342900" defTabSz="914400"/>

--- a/android tutorials/Project/FriendFinder 1.0/friendFinder.pptx
+++ b/android tutorials/Project/FriendFinder 1.0/friendFinder.pptx
@@ -5794,7 +5794,7 @@
         <p:spPr>
           <a:xfrm>
             <a:off x="564942" y="1719810"/>
-            <a:ext cx="10522432" cy="4031873"/>
+            <a:ext cx="8634095" cy="3785652"/>
           </a:xfrm>
           <a:prstGeom prst="rect">
             <a:avLst/>
@@ -5809,6 +5809,21 @@
           <a:p>
             <a:pPr marL="342900" indent="-342900" defTabSz="914400"/>
             <a:r>
+              <a:rPr lang="en-US" sz="2400" dirty="0" smtClean="0"/>
+              <a:t>Download </a:t>
+            </a:r>
+            <a:r>
+              <a:rPr lang="en-US" sz="2400" dirty="0" err="1" smtClean="0"/>
+              <a:t>docker</a:t>
+            </a:r>
+            <a:r>
+              <a:rPr lang="en-US" sz="2400" dirty="0" smtClean="0"/>
+              <a:t> for mac.</a:t>
+            </a:r>
+          </a:p>
+          <a:p>
+            <a:pPr marL="342900" indent="-342900" defTabSz="914400"/>
+            <a:r>
               <a:rPr lang="en-US" sz="2400" u="sng" dirty="0" smtClean="0"/>
               <a:t>Build a </a:t>
             </a:r>
@@ -5845,8 +5860,21 @@
             </a:r>
             <a:r>
               <a:rPr lang="en-US" sz="2400" dirty="0" smtClean="0"/>
-              <a:t> in one directory): </a:t>
-            </a:r>
+              <a:t> in one </a:t>
+            </a:r>
+            <a:r>
+              <a:rPr lang="en-US" sz="2400" dirty="0" smtClean="0"/>
+              <a:t>directory, e.g.:</a:t>
+            </a:r>
+            <a:r>
+              <a:rPr lang="en-US" sz="2400" dirty="0" err="1" smtClean="0"/>
+              <a:t>RunMe</a:t>
+            </a:r>
+            <a:r>
+              <a:rPr lang="en-US" sz="2400" dirty="0" smtClean="0"/>
+              <a:t>): </a:t>
+            </a:r>
+            <a:endParaRPr lang="en-US" sz="2400" dirty="0" smtClean="0"/>
           </a:p>
           <a:p>
             <a:pPr marL="342900" indent="-342900" defTabSz="914400"/>
@@ -5902,15 +5930,7 @@
             </a:r>
             <a:r>
               <a:rPr lang="en-CA" sz="2400" u="sng" dirty="0" smtClean="0"/>
-              <a:t> </a:t>
-            </a:r>
-            <a:r>
-              <a:rPr lang="en-CA" sz="2400" u="sng" dirty="0" smtClean="0"/>
-              <a:t>change </a:t>
-            </a:r>
-            <a:r>
-              <a:rPr lang="en-CA" sz="2400" u="sng" dirty="0" smtClean="0"/>
-              <a:t>the line under volumes</a:t>
+              <a:t> change the line under volumes</a:t>
             </a:r>
           </a:p>
           <a:p>
@@ -5920,59 +5940,19 @@
               <a:t>volumes:</a:t>
             </a:r>
             <a:r>
-              <a:rPr lang="en-CA" sz="2400" b="1" dirty="0"/>
+              <a:rPr lang="en-CA" sz="2400" b="1"/>
               <a:t/>
             </a:r>
             <a:br>
-              <a:rPr lang="en-CA" sz="2400" b="1" dirty="0"/>
+              <a:rPr lang="en-CA" sz="2400" b="1"/>
             </a:br>
             <a:r>
-              <a:rPr lang="en-CA" sz="1600" b="1" dirty="0"/>
-              <a:t>  </a:t>
-            </a:r>
-            <a:r>
-              <a:rPr lang="en-CA" sz="1600" dirty="0"/>
-              <a:t>- /Users/grace/Documents/Android\ for\ </a:t>
-            </a:r>
-            <a:r>
-              <a:rPr lang="en-CA" sz="1600" dirty="0" err="1" smtClean="0"/>
-              <a:t>Javaprogrammers</a:t>
-            </a:r>
-            <a:r>
-              <a:rPr lang="en-CA" sz="1600" dirty="0" smtClean="0"/>
-              <a:t>/Project/</a:t>
-            </a:r>
-            <a:r>
-              <a:rPr lang="en-CA" sz="1600" dirty="0" err="1" smtClean="0"/>
-              <a:t>mysql_persistent</a:t>
-            </a:r>
-            <a:r>
-              <a:rPr lang="en-CA" sz="1600" dirty="0"/>
-              <a:t>:/</a:t>
-            </a:r>
-            <a:r>
-              <a:rPr lang="en-CA" sz="1600" dirty="0" err="1" smtClean="0"/>
-              <a:t>var</a:t>
-            </a:r>
-            <a:r>
-              <a:rPr lang="en-CA" sz="1600" dirty="0" smtClean="0"/>
-              <a:t>/lib/</a:t>
-            </a:r>
-            <a:r>
-              <a:rPr lang="en-CA" sz="1600" dirty="0" err="1" smtClean="0"/>
-              <a:t>mysql</a:t>
-            </a:r>
-            <a:endParaRPr lang="en-CA" sz="1600" dirty="0" smtClean="0"/>
-          </a:p>
-          <a:p>
-            <a:pPr marL="342900" indent="-342900" defTabSz="914400"/>
-            <a:endParaRPr lang="en-CA" sz="2400" dirty="0" smtClean="0"/>
-          </a:p>
-          <a:p>
-            <a:pPr marL="342900" indent="-342900" defTabSz="914400"/>
+              <a:rPr lang="en-CA" sz="2400" smtClean="0"/>
+              <a:t>To </a:t>
+            </a:r>
             <a:r>
               <a:rPr lang="en-CA" sz="2400" dirty="0" smtClean="0"/>
-              <a:t>To your path, wherever in your the system: </a:t>
+              <a:t>your path, wherever in your the system, e.g.: </a:t>
             </a:r>
           </a:p>
           <a:p>
@@ -5987,11 +5967,11 @@
             </a:r>
             <a:r>
               <a:rPr lang="en-CA" sz="2400" dirty="0" smtClean="0"/>
-              <a:t>/&lt;your user&gt;</a:t>
-            </a:r>
-            <a:r>
-              <a:rPr lang="en-CA" sz="2400" dirty="0"/>
-              <a:t>:/</a:t>
+              <a:t>/&lt;your user</a:t>
+            </a:r>
+            <a:r>
+              <a:rPr lang="en-CA" sz="2400" dirty="0" smtClean="0"/>
+              <a:t>&gt;/&lt;path&gt;:/</a:t>
             </a:r>
             <a:r>
               <a:rPr lang="en-CA" sz="2400" dirty="0" err="1" smtClean="0"/>
@@ -6076,7 +6056,7 @@
         <p:spPr>
           <a:xfrm>
             <a:off x="564942" y="1719810"/>
-            <a:ext cx="9501319" cy="1200329"/>
+            <a:ext cx="10309232" cy="1569660"/>
           </a:xfrm>
           <a:prstGeom prst="rect">
             <a:avLst/>
@@ -6106,12 +6086,20 @@
           <a:p>
             <a:pPr marL="342900" indent="-342900" defTabSz="914400"/>
             <a:r>
-              <a:rPr lang="en-CA" sz="2400" dirty="0" err="1"/>
+              <a:rPr lang="en-CA" sz="2400" dirty="0" smtClean="0"/>
+              <a:t>&gt; </a:t>
+            </a:r>
+            <a:r>
+              <a:rPr lang="en-CA" sz="2400" dirty="0" err="1" smtClean="0"/>
               <a:t>docker</a:t>
             </a:r>
             <a:r>
+              <a:rPr lang="en-CA" sz="2400" dirty="0" smtClean="0"/>
+              <a:t>-compose </a:t>
+            </a:r>
+            <a:r>
               <a:rPr lang="en-CA" sz="2400" dirty="0"/>
-              <a:t>-compose -f </a:t>
+              <a:t>-f </a:t>
             </a:r>
             <a:r>
               <a:rPr lang="en-CA" sz="2400" dirty="0" smtClean="0"/>
@@ -6138,11 +6126,34 @@
             </a:r>
             <a:r>
               <a:rPr lang="en-CA" sz="2400" dirty="0"/>
-              <a:t>up -</a:t>
+              <a:t>up </a:t>
             </a:r>
             <a:r>
               <a:rPr lang="en-CA" sz="2400" dirty="0" smtClean="0"/>
-              <a:t>d</a:t>
+              <a:t>–d</a:t>
+            </a:r>
+          </a:p>
+          <a:p>
+            <a:pPr marL="342900" indent="-342900" defTabSz="914400"/>
+            <a:r>
+              <a:rPr lang="en-CA" sz="2400" dirty="0" smtClean="0"/>
+              <a:t>This hopefully started the </a:t>
+            </a:r>
+            <a:r>
+              <a:rPr lang="en-CA" sz="2400" dirty="0" err="1" smtClean="0"/>
+              <a:t>mysql</a:t>
+            </a:r>
+            <a:r>
+              <a:rPr lang="en-CA" sz="2400" dirty="0" smtClean="0"/>
+              <a:t> and java app in a </a:t>
+            </a:r>
+            <a:r>
+              <a:rPr lang="en-CA" sz="2400" dirty="0" err="1" smtClean="0"/>
+              <a:t>docker</a:t>
+            </a:r>
+            <a:r>
+              <a:rPr lang="en-CA" sz="2400" dirty="0" smtClean="0"/>
+              <a:t> container. </a:t>
             </a:r>
             <a:endParaRPr lang="en-CA" sz="2400" dirty="0"/>
           </a:p>
@@ -6156,7 +6167,7 @@
         </p:nvSpPr>
         <p:spPr>
           <a:xfrm>
-            <a:off x="564942" y="3226877"/>
+            <a:off x="564942" y="3473062"/>
             <a:ext cx="11219738" cy="3046988"/>
           </a:xfrm>
           <a:prstGeom prst="rect">
@@ -6192,15 +6203,7 @@
             </a:r>
             <a:r>
               <a:rPr lang="en-US" sz="2400" dirty="0" smtClean="0"/>
-              <a:t> then </a:t>
-            </a:r>
-            <a:r>
-              <a:rPr lang="en-US" sz="2400" dirty="0" smtClean="0"/>
-              <a:t>run as </a:t>
-            </a:r>
-            <a:r>
-              <a:rPr lang="en-US" sz="2400" dirty="0" smtClean="0"/>
-              <a:t>a native Spring app: </a:t>
+              <a:t> then run as a native Spring app: </a:t>
             </a:r>
           </a:p>
           <a:p>
@@ -6245,11 +6248,7 @@
             </a:r>
             <a:r>
               <a:rPr lang="en-CA" dirty="0" smtClean="0"/>
-              <a:t>MYSQL_ALLOW_EMPTY_PASSWORD=yes </a:t>
-            </a:r>
-            <a:r>
-              <a:rPr lang="en-CA" dirty="0" smtClean="0"/>
-              <a:t>-</a:t>
+              <a:t>MYSQL_ALLOW_EMPTY_PASSWORD=yes -</a:t>
             </a:r>
             <a:r>
               <a:rPr lang="en-CA" dirty="0"/>
@@ -6291,33 +6290,13 @@
             </a:r>
             <a:r>
               <a:rPr lang="en-US" sz="2400" dirty="0" smtClean="0"/>
-              <a:t> </a:t>
-            </a:r>
-            <a:r>
-              <a:rPr lang="en-US" sz="2400" dirty="0" smtClean="0"/>
-              <a:t>folder of the Java </a:t>
-            </a:r>
-          </a:p>
-          <a:p>
-            <a:r>
-              <a:rPr lang="en-US" sz="2400" dirty="0" smtClean="0"/>
-              <a:t>Spring server</a:t>
-            </a:r>
-            <a:r>
-              <a:rPr lang="en-US" sz="2400" dirty="0" smtClean="0"/>
-              <a:t> </a:t>
-            </a:r>
-            <a:r>
-              <a:rPr lang="en-US" sz="2400" dirty="0" smtClean="0"/>
-              <a:t>are in the </a:t>
-            </a:r>
-            <a:r>
-              <a:rPr lang="en-US" sz="2400" dirty="0" smtClean="0"/>
-              <a:t>same </a:t>
-            </a:r>
-            <a:r>
-              <a:rPr lang="en-US" sz="2400" dirty="0" smtClean="0"/>
-              <a:t>directory. </a:t>
+              <a:t> folder of the Java </a:t>
+            </a:r>
+          </a:p>
+          <a:p>
+            <a:r>
+              <a:rPr lang="en-US" sz="2400" dirty="0" smtClean="0"/>
+              <a:t>Spring server are in the same directory. </a:t>
             </a:r>
             <a:endParaRPr lang="en-US" sz="2400" dirty="0"/>
           </a:p>
@@ -6354,11 +6333,7 @@
             </a:r>
             <a:r>
               <a:rPr lang="en-US" sz="2400" dirty="0" smtClean="0"/>
-              <a:t> </a:t>
-            </a:r>
-            <a:r>
-              <a:rPr lang="en-US" sz="2400" dirty="0" smtClean="0"/>
-              <a:t>class </a:t>
+              <a:t> class </a:t>
             </a:r>
             <a:endParaRPr lang="en-US" sz="2400" dirty="0"/>
           </a:p>
@@ -6446,25 +6421,13 @@
           <a:p>
             <a:r>
               <a:rPr lang="en-US" sz="2400" dirty="0" smtClean="0"/>
-              <a:t>To add </a:t>
-            </a:r>
-            <a:r>
-              <a:rPr lang="en-US" sz="2400" dirty="0" smtClean="0"/>
-              <a:t>users, </a:t>
-            </a:r>
-            <a:r>
-              <a:rPr lang="en-US" sz="2400" dirty="0" smtClean="0"/>
-              <a:t>in terminal type: </a:t>
-            </a:r>
-          </a:p>
-          <a:p>
-            <a:r>
-              <a:rPr lang="en-US" sz="2400" dirty="0" smtClean="0"/>
-              <a:t>&gt; </a:t>
-            </a:r>
-            <a:r>
-              <a:rPr lang="en-US" sz="2400" dirty="0" smtClean="0"/>
-              <a:t>bash </a:t>
+              <a:t>To add users, in terminal type: </a:t>
+            </a:r>
+          </a:p>
+          <a:p>
+            <a:r>
+              <a:rPr lang="en-US" sz="2400" dirty="0" smtClean="0"/>
+              <a:t>&gt; bash </a:t>
             </a:r>
             <a:r>
               <a:rPr lang="en-US" sz="2400" dirty="0" err="1" smtClean="0"/>
@@ -6922,23 +6885,7 @@
             </a:r>
             <a:r>
               <a:rPr lang="en-US" sz="2400" dirty="0" smtClean="0"/>
-              <a:t> is an application where </a:t>
-            </a:r>
-            <a:r>
-              <a:rPr lang="en-US" sz="2400" dirty="0" smtClean="0"/>
-              <a:t>the user can </a:t>
-            </a:r>
-            <a:r>
-              <a:rPr lang="en-US" sz="2400" dirty="0" smtClean="0"/>
-              <a:t>find </a:t>
-            </a:r>
-            <a:r>
-              <a:rPr lang="en-US" sz="2400" dirty="0" smtClean="0"/>
-              <a:t>its friends</a:t>
-            </a:r>
-            <a:r>
-              <a:rPr lang="en-US" sz="2400" dirty="0" smtClean="0"/>
-              <a:t>. </a:t>
+              <a:t> is an application where the user can find its friends. </a:t>
             </a:r>
           </a:p>
         </p:txBody>
@@ -7060,11 +7007,7 @@
           <a:p>
             <a:r>
               <a:rPr lang="en-US" sz="2400" dirty="0" smtClean="0"/>
-              <a:t>Wrote an </a:t>
-            </a:r>
-            <a:r>
-              <a:rPr lang="en-US" sz="2400" dirty="0" smtClean="0"/>
-              <a:t>android app in Java and a webserver in Java Spring</a:t>
+              <a:t>Wrote an android app in Java and a webserver in Java Spring</a:t>
             </a:r>
             <a:endParaRPr lang="en-US" sz="2400" dirty="0"/>
           </a:p>
@@ -8432,13 +8375,8 @@
             </a:pPr>
             <a:r>
               <a:rPr lang="en-US" sz="2400" dirty="0" smtClean="0"/>
-              <a:t>&gt; get JSON object and then use this object when using REST </a:t>
-            </a:r>
-            <a:r>
-              <a:rPr lang="en-US" sz="2400" dirty="0" smtClean="0"/>
-              <a:t>PUT call</a:t>
-            </a:r>
-            <a:endParaRPr lang="en-US" sz="2400" dirty="0" smtClean="0"/>
+              <a:t>&gt; get JSON object and then use this object when using REST PUT call</a:t>
+            </a:r>
           </a:p>
           <a:p>
             <a:pPr marL="342900" lvl="0" indent="-342900" defTabSz="914400"/>
